--- a/3. Database설계서 (ERD)/ERD 설계서.pptx
+++ b/3. Database설계서 (ERD)/ERD 설계서.pptx
@@ -258,7 +258,7 @@
           <a:p>
             <a:fld id="{158C5662-5AE8-43DE-870E-682D6471314E}" type="datetimeFigureOut">
               <a:rPr lang="ko-KR" altLang="en-US" smtClean="0"/>
-              <a:t>2020-07-08</a:t>
+              <a:t>2020-07-14</a:t>
             </a:fld>
             <a:endParaRPr lang="ko-KR" altLang="en-US"/>
           </a:p>
@@ -426,7 +426,7 @@
           <a:p>
             <a:fld id="{158C5662-5AE8-43DE-870E-682D6471314E}" type="datetimeFigureOut">
               <a:rPr lang="ko-KR" altLang="en-US" smtClean="0"/>
-              <a:t>2020-07-08</a:t>
+              <a:t>2020-07-14</a:t>
             </a:fld>
             <a:endParaRPr lang="ko-KR" altLang="en-US"/>
           </a:p>
@@ -604,7 +604,7 @@
           <a:p>
             <a:fld id="{158C5662-5AE8-43DE-870E-682D6471314E}" type="datetimeFigureOut">
               <a:rPr lang="ko-KR" altLang="en-US" smtClean="0"/>
-              <a:t>2020-07-08</a:t>
+              <a:t>2020-07-14</a:t>
             </a:fld>
             <a:endParaRPr lang="ko-KR" altLang="en-US"/>
           </a:p>
@@ -772,7 +772,7 @@
           <a:p>
             <a:fld id="{158C5662-5AE8-43DE-870E-682D6471314E}" type="datetimeFigureOut">
               <a:rPr lang="ko-KR" altLang="en-US" smtClean="0"/>
-              <a:t>2020-07-08</a:t>
+              <a:t>2020-07-14</a:t>
             </a:fld>
             <a:endParaRPr lang="ko-KR" altLang="en-US"/>
           </a:p>
@@ -1017,7 +1017,7 @@
           <a:p>
             <a:fld id="{158C5662-5AE8-43DE-870E-682D6471314E}" type="datetimeFigureOut">
               <a:rPr lang="ko-KR" altLang="en-US" smtClean="0"/>
-              <a:t>2020-07-08</a:t>
+              <a:t>2020-07-14</a:t>
             </a:fld>
             <a:endParaRPr lang="ko-KR" altLang="en-US"/>
           </a:p>
@@ -1246,7 +1246,7 @@
           <a:p>
             <a:fld id="{158C5662-5AE8-43DE-870E-682D6471314E}" type="datetimeFigureOut">
               <a:rPr lang="ko-KR" altLang="en-US" smtClean="0"/>
-              <a:t>2020-07-08</a:t>
+              <a:t>2020-07-14</a:t>
             </a:fld>
             <a:endParaRPr lang="ko-KR" altLang="en-US"/>
           </a:p>
@@ -1610,7 +1610,7 @@
           <a:p>
             <a:fld id="{158C5662-5AE8-43DE-870E-682D6471314E}" type="datetimeFigureOut">
               <a:rPr lang="ko-KR" altLang="en-US" smtClean="0"/>
-              <a:t>2020-07-08</a:t>
+              <a:t>2020-07-14</a:t>
             </a:fld>
             <a:endParaRPr lang="ko-KR" altLang="en-US"/>
           </a:p>
@@ -1727,7 +1727,7 @@
           <a:p>
             <a:fld id="{158C5662-5AE8-43DE-870E-682D6471314E}" type="datetimeFigureOut">
               <a:rPr lang="ko-KR" altLang="en-US" smtClean="0"/>
-              <a:t>2020-07-08</a:t>
+              <a:t>2020-07-14</a:t>
             </a:fld>
             <a:endParaRPr lang="ko-KR" altLang="en-US"/>
           </a:p>
@@ -1822,7 +1822,7 @@
           <a:p>
             <a:fld id="{158C5662-5AE8-43DE-870E-682D6471314E}" type="datetimeFigureOut">
               <a:rPr lang="ko-KR" altLang="en-US" smtClean="0"/>
-              <a:t>2020-07-08</a:t>
+              <a:t>2020-07-14</a:t>
             </a:fld>
             <a:endParaRPr lang="ko-KR" altLang="en-US"/>
           </a:p>
@@ -2097,7 +2097,7 @@
           <a:p>
             <a:fld id="{158C5662-5AE8-43DE-870E-682D6471314E}" type="datetimeFigureOut">
               <a:rPr lang="ko-KR" altLang="en-US" smtClean="0"/>
-              <a:t>2020-07-08</a:t>
+              <a:t>2020-07-14</a:t>
             </a:fld>
             <a:endParaRPr lang="ko-KR" altLang="en-US"/>
           </a:p>
@@ -2349,7 +2349,7 @@
           <a:p>
             <a:fld id="{158C5662-5AE8-43DE-870E-682D6471314E}" type="datetimeFigureOut">
               <a:rPr lang="ko-KR" altLang="en-US" smtClean="0"/>
-              <a:t>2020-07-08</a:t>
+              <a:t>2020-07-14</a:t>
             </a:fld>
             <a:endParaRPr lang="ko-KR" altLang="en-US"/>
           </a:p>
@@ -2560,7 +2560,7 @@
           <a:p>
             <a:fld id="{158C5662-5AE8-43DE-870E-682D6471314E}" type="datetimeFigureOut">
               <a:rPr lang="ko-KR" altLang="en-US" smtClean="0"/>
-              <a:t>2020-07-08</a:t>
+              <a:t>2020-07-14</a:t>
             </a:fld>
             <a:endParaRPr lang="ko-KR" altLang="en-US"/>
           </a:p>
@@ -3392,6 +3392,42 @@
           </a:fontRef>
         </p:style>
       </p:cxnSp>
+      <p:pic>
+        <p:nvPicPr>
+          <p:cNvPr id="13" name="그림 12" descr="조류이(가) 표시된 사진&#10;&#10;자동 생성된 설명">
+            <a:extLst>
+              <a:ext uri="{FF2B5EF4-FFF2-40B4-BE49-F238E27FC236}">
+                <a16:creationId xmlns:a16="http://schemas.microsoft.com/office/drawing/2014/main" id="{F24ED259-73EB-4187-901B-5F78E6755D00}"/>
+              </a:ext>
+            </a:extLst>
+          </p:cNvPr>
+          <p:cNvPicPr>
+            <a:picLocks noChangeAspect="1"/>
+          </p:cNvPicPr>
+          <p:nvPr/>
+        </p:nvPicPr>
+        <p:blipFill>
+          <a:blip r:embed="rId4">
+            <a:extLst>
+              <a:ext uri="{28A0092B-C50C-407E-A947-70E740481C1C}">
+                <a14:useLocalDpi xmlns:a14="http://schemas.microsoft.com/office/drawing/2010/main" val="0"/>
+              </a:ext>
+            </a:extLst>
+          </a:blip>
+          <a:stretch>
+            <a:fillRect/>
+          </a:stretch>
+        </p:blipFill>
+        <p:spPr>
+          <a:xfrm>
+            <a:off x="6909288" y="1478366"/>
+            <a:ext cx="4213756" cy="4536067"/>
+          </a:xfrm>
+          <a:prstGeom prst="rect">
+            <a:avLst/>
+          </a:prstGeom>
+        </p:spPr>
+      </p:pic>
     </p:spTree>
     <p:extLst>
       <p:ext uri="{BB962C8B-B14F-4D97-AF65-F5344CB8AC3E}">
@@ -4839,6 +4875,42 @@
           <a:chExt cx="0" cy="0"/>
         </a:xfrm>
       </p:grpSpPr>
+      <p:pic>
+        <p:nvPicPr>
+          <p:cNvPr id="8" name="그림 7" descr="조류이(가) 표시된 사진&#10;&#10;자동 생성된 설명">
+            <a:extLst>
+              <a:ext uri="{FF2B5EF4-FFF2-40B4-BE49-F238E27FC236}">
+                <a16:creationId xmlns:a16="http://schemas.microsoft.com/office/drawing/2014/main" id="{A849F0B0-C65F-4569-9702-27307FF3CEE0}"/>
+              </a:ext>
+            </a:extLst>
+          </p:cNvPr>
+          <p:cNvPicPr>
+            <a:picLocks noChangeAspect="1"/>
+          </p:cNvPicPr>
+          <p:nvPr/>
+        </p:nvPicPr>
+        <p:blipFill>
+          <a:blip r:embed="rId2">
+            <a:extLst>
+              <a:ext uri="{28A0092B-C50C-407E-A947-70E740481C1C}">
+                <a14:useLocalDpi xmlns:a14="http://schemas.microsoft.com/office/drawing/2010/main" val="0"/>
+              </a:ext>
+            </a:extLst>
+          </a:blip>
+          <a:stretch>
+            <a:fillRect/>
+          </a:stretch>
+        </p:blipFill>
+        <p:spPr>
+          <a:xfrm>
+            <a:off x="982044" y="1568618"/>
+            <a:ext cx="4436381" cy="4617529"/>
+          </a:xfrm>
+          <a:prstGeom prst="rect">
+            <a:avLst/>
+          </a:prstGeom>
+        </p:spPr>
+      </p:pic>
       <p:sp>
         <p:nvSpPr>
           <p:cNvPr id="35" name="타원 34"/>
@@ -5067,7 +5139,7 @@
           <p:nvPr/>
         </p:nvPicPr>
         <p:blipFill>
-          <a:blip r:embed="rId2" cstate="print">
+          <a:blip r:embed="rId3" cstate="print">
             <a:extLst>
               <a:ext uri="{28A0092B-C50C-407E-A947-70E740481C1C}">
                 <a14:useLocalDpi xmlns:a14="http://schemas.microsoft.com/office/drawing/2010/main" val="0"/>
@@ -5204,42 +5276,6 @@
           </a:fontRef>
         </p:style>
       </p:cxnSp>
-      <p:pic>
-        <p:nvPicPr>
-          <p:cNvPr id="23" name="그림 22" descr="스크린샷, 조류이(가) 표시된 사진&#10;&#10;자동 생성된 설명">
-            <a:extLst>
-              <a:ext uri="{FF2B5EF4-FFF2-40B4-BE49-F238E27FC236}">
-                <a16:creationId xmlns:a16="http://schemas.microsoft.com/office/drawing/2014/main" id="{D5AD9A85-0F68-415C-BC82-09521C219CC5}"/>
-              </a:ext>
-            </a:extLst>
-          </p:cNvPr>
-          <p:cNvPicPr>
-            <a:picLocks noChangeAspect="1"/>
-          </p:cNvPicPr>
-          <p:nvPr/>
-        </p:nvPicPr>
-        <p:blipFill>
-          <a:blip r:embed="rId3">
-            <a:extLst>
-              <a:ext uri="{28A0092B-C50C-407E-A947-70E740481C1C}">
-                <a14:useLocalDpi xmlns:a14="http://schemas.microsoft.com/office/drawing/2010/main" val="0"/>
-              </a:ext>
-            </a:extLst>
-          </a:blip>
-          <a:stretch>
-            <a:fillRect/>
-          </a:stretch>
-        </p:blipFill>
-        <p:spPr>
-          <a:xfrm>
-            <a:off x="982046" y="1538152"/>
-            <a:ext cx="4436382" cy="4647994"/>
-          </a:xfrm>
-          <a:prstGeom prst="rect">
-            <a:avLst/>
-          </a:prstGeom>
-        </p:spPr>
-      </p:pic>
       <p:graphicFrame>
         <p:nvGraphicFramePr>
           <p:cNvPr id="4" name="표 5">
@@ -5255,14 +5291,14 @@
           <p:nvPr>
             <p:extLst>
               <p:ext uri="{D42A27DB-BD31-4B8C-83A1-F6EECF244321}">
-                <p14:modId xmlns:p14="http://schemas.microsoft.com/office/powerpoint/2010/main" val="2550514083"/>
+                <p14:modId xmlns:p14="http://schemas.microsoft.com/office/powerpoint/2010/main" val="3334215152"/>
               </p:ext>
             </p:extLst>
           </p:nvPr>
         </p:nvGraphicFramePr>
         <p:xfrm>
           <a:off x="6095673" y="1538150"/>
-          <a:ext cx="5409453" cy="4647999"/>
+          <a:ext cx="5409453" cy="4647994"/>
         </p:xfrm>
         <a:graphic>
           <a:graphicData uri="http://schemas.openxmlformats.org/drawingml/2006/table">
@@ -5286,7 +5322,7 @@
                   </a:extLst>
                 </a:gridCol>
               </a:tblGrid>
-              <a:tr h="536384">
+              <a:tr h="455752">
                 <a:tc>
                   <a:txBody>
                     <a:bodyPr/>
@@ -5339,7 +5375,7 @@
                   </a:ext>
                 </a:extLst>
               </a:tr>
-              <a:tr h="822323">
+              <a:tr h="698707">
                 <a:tc>
                   <a:txBody>
                     <a:bodyPr/>
@@ -5413,7 +5449,7 @@
                   </a:ext>
                 </a:extLst>
               </a:tr>
-              <a:tr h="822323">
+              <a:tr h="698707">
                 <a:tc>
                   <a:txBody>
                     <a:bodyPr/>
@@ -5421,11 +5457,103 @@
                     <a:p>
                       <a:pPr algn="ctr" latinLnBrk="1"/>
                       <a:r>
+                        <a:rPr lang="en-US" altLang="ko-KR" sz="1200" dirty="0" err="1">
+                          <a:latin typeface="210 콤퓨타세탁 L" panose="02020603020101020101" pitchFamily="18" charset="-127"/>
+                          <a:ea typeface="210 콤퓨타세탁 L" panose="02020603020101020101" pitchFamily="18" charset="-127"/>
+                        </a:rPr>
+                        <a:t>id_company</a:t>
+                      </a:r>
+                      <a:r>
+                        <a:rPr lang="en-US" altLang="ko-KR" sz="1200" dirty="0">
+                          <a:latin typeface="210 콤퓨타세탁 L" panose="02020603020101020101" pitchFamily="18" charset="-127"/>
+                          <a:ea typeface="210 콤퓨타세탁 L" panose="02020603020101020101" pitchFamily="18" charset="-127"/>
+                        </a:rPr>
+                        <a:t> ( FK )</a:t>
+                      </a:r>
+                      <a:endParaRPr lang="ko-KR" altLang="en-US" sz="1200" dirty="0">
+                        <a:latin typeface="210 콤퓨타세탁 L" panose="02020603020101020101" pitchFamily="18" charset="-127"/>
+                        <a:ea typeface="210 콤퓨타세탁 L" panose="02020603020101020101" pitchFamily="18" charset="-127"/>
+                      </a:endParaRPr>
+                    </a:p>
+                  </a:txBody>
+                  <a:tcPr anchor="ctr">
+                    <a:solidFill>
+                      <a:srgbClr val="E6CCB0"/>
+                    </a:solidFill>
+                  </a:tcPr>
+                </a:tc>
+                <a:tc>
+                  <a:txBody>
+                    <a:bodyPr/>
+                    <a:lstStyle/>
+                    <a:p>
+                      <a:pPr algn="l" latinLnBrk="1"/>
+                      <a:r>
+                        <a:rPr lang="en-US" altLang="ko-KR" sz="1400" dirty="0">
+                          <a:latin typeface="210 콤퓨타세탁 L" panose="02020603020101020101" pitchFamily="18" charset="-127"/>
+                          <a:ea typeface="210 콤퓨타세탁 L" panose="02020603020101020101" pitchFamily="18" charset="-127"/>
+                        </a:rPr>
+                        <a:t>(</a:t>
+                      </a:r>
+                      <a:r>
+                        <a:rPr lang="ko-KR" altLang="en-US" sz="1400" dirty="0">
+                          <a:latin typeface="210 콤퓨타세탁 L" panose="02020603020101020101" pitchFamily="18" charset="-127"/>
+                          <a:ea typeface="210 콤퓨타세탁 L" panose="02020603020101020101" pitchFamily="18" charset="-127"/>
+                        </a:rPr>
+                        <a:t>관리번호</a:t>
+                      </a:r>
+                      <a:r>
+                        <a:rPr lang="en-US" altLang="ko-KR" sz="1400" dirty="0">
+                          <a:latin typeface="210 콤퓨타세탁 L" panose="02020603020101020101" pitchFamily="18" charset="-127"/>
+                          <a:ea typeface="210 콤퓨타세탁 L" panose="02020603020101020101" pitchFamily="18" charset="-127"/>
+                        </a:rPr>
+                        <a:t>) (Foreign key) </a:t>
+                      </a:r>
+                      <a:r>
+                        <a:rPr lang="ko-KR" altLang="en-US" sz="1400" dirty="0">
+                          <a:latin typeface="210 콤퓨타세탁 L" panose="02020603020101020101" pitchFamily="18" charset="-127"/>
+                          <a:ea typeface="210 콤퓨타세탁 L" panose="02020603020101020101" pitchFamily="18" charset="-127"/>
+                        </a:rPr>
+                        <a:t>업체 관리 번호이다</a:t>
+                      </a:r>
+                      <a:r>
+                        <a:rPr lang="en-US" altLang="ko-KR" sz="1400" dirty="0">
+                          <a:latin typeface="210 콤퓨타세탁 L" panose="02020603020101020101" pitchFamily="18" charset="-127"/>
+                          <a:ea typeface="210 콤퓨타세탁 L" panose="02020603020101020101" pitchFamily="18" charset="-127"/>
+                        </a:rPr>
+                        <a:t>.</a:t>
+                      </a:r>
+                      <a:endParaRPr lang="ko-KR" altLang="en-US" sz="1400" dirty="0">
+                        <a:latin typeface="210 콤퓨타세탁 L" panose="02020603020101020101" pitchFamily="18" charset="-127"/>
+                        <a:ea typeface="210 콤퓨타세탁 L" panose="02020603020101020101" pitchFamily="18" charset="-127"/>
+                      </a:endParaRPr>
+                    </a:p>
+                  </a:txBody>
+                  <a:tcPr anchor="ctr">
+                    <a:solidFill>
+                      <a:srgbClr val="E6CCB0"/>
+                    </a:solidFill>
+                  </a:tcPr>
+                </a:tc>
+                <a:extLst>
+                  <a:ext uri="{0D108BD9-81ED-4DB2-BD59-A6C34878D82A}">
+                    <a16:rowId xmlns:a16="http://schemas.microsoft.com/office/drawing/2014/main" val="727057963"/>
+                  </a:ext>
+                </a:extLst>
+              </a:tr>
+              <a:tr h="698707">
+                <a:tc>
+                  <a:txBody>
+                    <a:bodyPr/>
+                    <a:lstStyle/>
+                    <a:p>
+                      <a:pPr algn="ctr" latinLnBrk="1"/>
+                      <a:r>
                         <a:rPr lang="en-US" altLang="ko-KR" sz="1600" dirty="0">
                           <a:latin typeface="210 콤퓨타세탁 L" panose="02020603020101020101" pitchFamily="18" charset="-127"/>
                           <a:ea typeface="210 콤퓨타세탁 L" panose="02020603020101020101" pitchFamily="18" charset="-127"/>
                         </a:rPr>
-                        <a:t>id ( FK )</a:t>
+                        <a:t>date</a:t>
                       </a:r>
                       <a:endParaRPr lang="ko-KR" altLang="en-US" sz="1600" dirty="0">
                         <a:latin typeface="210 콤퓨타세탁 L" panose="02020603020101020101" pitchFamily="18" charset="-127"/>
@@ -5457,21 +5585,21 @@
                           <a:latin typeface="210 콤퓨타세탁 L" panose="02020603020101020101" pitchFamily="18" charset="-127"/>
                           <a:ea typeface="210 콤퓨타세탁 L" panose="02020603020101020101" pitchFamily="18" charset="-127"/>
                         </a:rPr>
-                        <a:t>관리번호</a:t>
+                        <a:t>작성날짜</a:t>
                       </a:r>
                       <a:r>
                         <a:rPr lang="en-US" altLang="ko-KR" sz="1400" dirty="0">
                           <a:latin typeface="210 콤퓨타세탁 L" panose="02020603020101020101" pitchFamily="18" charset="-127"/>
                           <a:ea typeface="210 콤퓨타세탁 L" panose="02020603020101020101" pitchFamily="18" charset="-127"/>
                         </a:rPr>
-                        <a:t>) (Foreign key) </a:t>
+                        <a:t>) </a:t>
                       </a:r>
                       <a:r>
                         <a:rPr lang="ko-KR" altLang="en-US" sz="1400" dirty="0">
                           <a:latin typeface="210 콤퓨타세탁 L" panose="02020603020101020101" pitchFamily="18" charset="-127"/>
                           <a:ea typeface="210 콤퓨타세탁 L" panose="02020603020101020101" pitchFamily="18" charset="-127"/>
                         </a:rPr>
-                        <a:t>업체 관리 번호이다</a:t>
+                        <a:t>리뷰 작성 날짜를 저장한다</a:t>
                       </a:r>
                       <a:r>
                         <a:rPr lang="en-US" altLang="ko-KR" sz="1400" dirty="0">
@@ -5494,11 +5622,11 @@
                 </a:tc>
                 <a:extLst>
                   <a:ext uri="{0D108BD9-81ED-4DB2-BD59-A6C34878D82A}">
-                    <a16:rowId xmlns:a16="http://schemas.microsoft.com/office/drawing/2014/main" val="727057963"/>
+                    <a16:rowId xmlns:a16="http://schemas.microsoft.com/office/drawing/2014/main" val="2445954176"/>
                   </a:ext>
                 </a:extLst>
               </a:tr>
-              <a:tr h="822323">
+              <a:tr h="698707">
                 <a:tc>
                   <a:txBody>
                     <a:bodyPr/>
@@ -5510,7 +5638,7 @@
                           <a:latin typeface="210 콤퓨타세탁 L" panose="02020603020101020101" pitchFamily="18" charset="-127"/>
                           <a:ea typeface="210 콤퓨타세탁 L" panose="02020603020101020101" pitchFamily="18" charset="-127"/>
                         </a:rPr>
-                        <a:t>date</a:t>
+                        <a:t>rate</a:t>
                       </a:r>
                       <a:endParaRPr lang="ko-KR" altLang="en-US" sz="1600" dirty="0">
                         <a:latin typeface="210 콤퓨타세탁 L" panose="02020603020101020101" pitchFamily="18" charset="-127"/>
@@ -5538,25 +5666,39 @@
                         <a:t>(</a:t>
                       </a:r>
                       <a:r>
+                        <a:rPr lang="ko-KR" altLang="en-US" sz="1400" dirty="0" err="1">
+                          <a:latin typeface="210 콤퓨타세탁 L" panose="02020603020101020101" pitchFamily="18" charset="-127"/>
+                          <a:ea typeface="210 콤퓨타세탁 L" panose="02020603020101020101" pitchFamily="18" charset="-127"/>
+                        </a:rPr>
+                        <a:t>별점</a:t>
+                      </a:r>
+                      <a:r>
+                        <a:rPr lang="en-US" altLang="ko-KR" sz="1400" dirty="0">
+                          <a:latin typeface="210 콤퓨타세탁 L" panose="02020603020101020101" pitchFamily="18" charset="-127"/>
+                          <a:ea typeface="210 콤퓨타세탁 L" panose="02020603020101020101" pitchFamily="18" charset="-127"/>
+                        </a:rPr>
+                        <a:t>) </a:t>
+                      </a:r>
+                      <a:r>
                         <a:rPr lang="ko-KR" altLang="en-US" sz="1400" dirty="0">
                           <a:latin typeface="210 콤퓨타세탁 L" panose="02020603020101020101" pitchFamily="18" charset="-127"/>
                           <a:ea typeface="210 콤퓨타세탁 L" panose="02020603020101020101" pitchFamily="18" charset="-127"/>
                         </a:rPr>
-                        <a:t>작성날짜</a:t>
-                      </a:r>
-                      <a:r>
-                        <a:rPr lang="en-US" altLang="ko-KR" sz="1400" dirty="0">
-                          <a:latin typeface="210 콤퓨타세탁 L" panose="02020603020101020101" pitchFamily="18" charset="-127"/>
-                          <a:ea typeface="210 콤퓨타세탁 L" panose="02020603020101020101" pitchFamily="18" charset="-127"/>
-                        </a:rPr>
-                        <a:t>) </a:t>
+                        <a:t>리뷰 </a:t>
+                      </a:r>
+                      <a:r>
+                        <a:rPr lang="ko-KR" altLang="en-US" sz="1400" dirty="0" err="1">
+                          <a:latin typeface="210 콤퓨타세탁 L" panose="02020603020101020101" pitchFamily="18" charset="-127"/>
+                          <a:ea typeface="210 콤퓨타세탁 L" panose="02020603020101020101" pitchFamily="18" charset="-127"/>
+                        </a:rPr>
+                        <a:t>별점을</a:t>
                       </a:r>
                       <a:r>
                         <a:rPr lang="ko-KR" altLang="en-US" sz="1400" dirty="0">
                           <a:latin typeface="210 콤퓨타세탁 L" panose="02020603020101020101" pitchFamily="18" charset="-127"/>
                           <a:ea typeface="210 콤퓨타세탁 L" panose="02020603020101020101" pitchFamily="18" charset="-127"/>
                         </a:rPr>
-                        <a:t>리뷰 작성 날짜를 저장한다</a:t>
+                        <a:t> 저장한다</a:t>
                       </a:r>
                       <a:r>
                         <a:rPr lang="en-US" altLang="ko-KR" sz="1400" dirty="0">
@@ -5579,11 +5721,11 @@
                 </a:tc>
                 <a:extLst>
                   <a:ext uri="{0D108BD9-81ED-4DB2-BD59-A6C34878D82A}">
-                    <a16:rowId xmlns:a16="http://schemas.microsoft.com/office/drawing/2014/main" val="2445954176"/>
+                    <a16:rowId xmlns:a16="http://schemas.microsoft.com/office/drawing/2014/main" val="4131908371"/>
                   </a:ext>
                 </a:extLst>
               </a:tr>
-              <a:tr h="822323">
+              <a:tr h="698707">
                 <a:tc>
                   <a:txBody>
                     <a:bodyPr/>
@@ -5595,7 +5737,7 @@
                           <a:latin typeface="210 콤퓨타세탁 L" panose="02020603020101020101" pitchFamily="18" charset="-127"/>
                           <a:ea typeface="210 콤퓨타세탁 L" panose="02020603020101020101" pitchFamily="18" charset="-127"/>
                         </a:rPr>
-                        <a:t>rate</a:t>
+                        <a:t>user</a:t>
                       </a:r>
                       <a:endParaRPr lang="ko-KR" altLang="en-US" sz="1600" dirty="0">
                         <a:latin typeface="210 콤퓨타세탁 L" panose="02020603020101020101" pitchFamily="18" charset="-127"/>
@@ -5623,11 +5765,11 @@
                         <a:t>(</a:t>
                       </a:r>
                       <a:r>
-                        <a:rPr lang="ko-KR" altLang="en-US" sz="1400" dirty="0" err="1">
-                          <a:latin typeface="210 콤퓨타세탁 L" panose="02020603020101020101" pitchFamily="18" charset="-127"/>
-                          <a:ea typeface="210 콤퓨타세탁 L" panose="02020603020101020101" pitchFamily="18" charset="-127"/>
-                        </a:rPr>
-                        <a:t>별점</a:t>
+                        <a:rPr lang="ko-KR" altLang="en-US" sz="1400" dirty="0">
+                          <a:latin typeface="210 콤퓨타세탁 L" panose="02020603020101020101" pitchFamily="18" charset="-127"/>
+                          <a:ea typeface="210 콤퓨타세탁 L" panose="02020603020101020101" pitchFamily="18" charset="-127"/>
+                        </a:rPr>
+                        <a:t>작성자</a:t>
                       </a:r>
                       <a:r>
                         <a:rPr lang="en-US" altLang="ko-KR" sz="1400" dirty="0">
@@ -5641,24 +5783,10 @@
                           <a:latin typeface="210 콤퓨타세탁 L" panose="02020603020101020101" pitchFamily="18" charset="-127"/>
                           <a:ea typeface="210 콤퓨타세탁 L" panose="02020603020101020101" pitchFamily="18" charset="-127"/>
                         </a:rPr>
-                        <a:t>리뷰 </a:t>
-                      </a:r>
-                      <a:r>
-                        <a:rPr lang="ko-KR" altLang="en-US" sz="1400" dirty="0" err="1">
-                          <a:latin typeface="210 콤퓨타세탁 L" panose="02020603020101020101" pitchFamily="18" charset="-127"/>
-                          <a:ea typeface="210 콤퓨타세탁 L" panose="02020603020101020101" pitchFamily="18" charset="-127"/>
-                        </a:rPr>
-                        <a:t>별점을</a:t>
-                      </a:r>
-                      <a:r>
-                        <a:rPr lang="ko-KR" altLang="en-US" sz="1400" dirty="0">
-                          <a:latin typeface="210 콤퓨타세탁 L" panose="02020603020101020101" pitchFamily="18" charset="-127"/>
-                          <a:ea typeface="210 콤퓨타세탁 L" panose="02020603020101020101" pitchFamily="18" charset="-127"/>
-                        </a:rPr>
-                        <a:t> 저장한다</a:t>
-                      </a:r>
-                      <a:r>
-                        <a:rPr lang="en-US" altLang="ko-KR" sz="1400" dirty="0">
+                        <a:t>리뷰 작성자의 정보를 저장한다</a:t>
+                      </a:r>
+                      <a:r>
+                        <a:rPr lang="en-US" altLang="ko-KR" sz="1400">
                           <a:latin typeface="210 콤퓨타세탁 L" panose="02020603020101020101" pitchFamily="18" charset="-127"/>
                           <a:ea typeface="210 콤퓨타세탁 L" panose="02020603020101020101" pitchFamily="18" charset="-127"/>
                         </a:rPr>
@@ -5678,11 +5806,11 @@
                 </a:tc>
                 <a:extLst>
                   <a:ext uri="{0D108BD9-81ED-4DB2-BD59-A6C34878D82A}">
-                    <a16:rowId xmlns:a16="http://schemas.microsoft.com/office/drawing/2014/main" val="4131908371"/>
+                    <a16:rowId xmlns:a16="http://schemas.microsoft.com/office/drawing/2014/main" val="3543984619"/>
                   </a:ext>
                 </a:extLst>
               </a:tr>
-              <a:tr h="822323">
+              <a:tr h="698707">
                 <a:tc>
                   <a:txBody>
                     <a:bodyPr/>

--- a/3. Database설계서 (ERD)/ERD 설계서.pptx
+++ b/3. Database설계서 (ERD)/ERD 설계서.pptx
@@ -3428,6 +3428,42 @@
           </a:prstGeom>
         </p:spPr>
       </p:pic>
+      <p:pic>
+        <p:nvPicPr>
+          <p:cNvPr id="3" name="그림 2" descr="스크린샷이(가) 표시된 사진&#10;&#10;자동 생성된 설명">
+            <a:extLst>
+              <a:ext uri="{FF2B5EF4-FFF2-40B4-BE49-F238E27FC236}">
+                <a16:creationId xmlns:a16="http://schemas.microsoft.com/office/drawing/2014/main" id="{22A46390-886F-4407-A1F9-DE9B486697AD}"/>
+              </a:ext>
+            </a:extLst>
+          </p:cNvPr>
+          <p:cNvPicPr>
+            <a:picLocks noChangeAspect="1"/>
+          </p:cNvPicPr>
+          <p:nvPr/>
+        </p:nvPicPr>
+        <p:blipFill>
+          <a:blip r:embed="rId5">
+            <a:extLst>
+              <a:ext uri="{28A0092B-C50C-407E-A947-70E740481C1C}">
+                <a14:useLocalDpi xmlns:a14="http://schemas.microsoft.com/office/drawing/2010/main" val="0"/>
+              </a:ext>
+            </a:extLst>
+          </a:blip>
+          <a:stretch>
+            <a:fillRect/>
+          </a:stretch>
+        </p:blipFill>
+        <p:spPr>
+          <a:xfrm>
+            <a:off x="1158437" y="1487898"/>
+            <a:ext cx="5088513" cy="4526535"/>
+          </a:xfrm>
+          <a:prstGeom prst="rect">
+            <a:avLst/>
+          </a:prstGeom>
+        </p:spPr>
+      </p:pic>
     </p:spTree>
     <p:extLst>
       <p:ext uri="{BB962C8B-B14F-4D97-AF65-F5344CB8AC3E}">
@@ -4667,42 +4703,6 @@
           </a:graphicData>
         </a:graphic>
       </p:graphicFrame>
-      <p:pic>
-        <p:nvPicPr>
-          <p:cNvPr id="6" name="그림 5" descr="스크린샷이(가) 표시된 사진&#10;&#10;자동 생성된 설명">
-            <a:extLst>
-              <a:ext uri="{FF2B5EF4-FFF2-40B4-BE49-F238E27FC236}">
-                <a16:creationId xmlns:a16="http://schemas.microsoft.com/office/drawing/2014/main" id="{AE9CDA33-B080-44AF-860D-EB9EE4C7D676}"/>
-              </a:ext>
-            </a:extLst>
-          </p:cNvPr>
-          <p:cNvPicPr>
-            <a:picLocks noChangeAspect="1"/>
-          </p:cNvPicPr>
-          <p:nvPr/>
-        </p:nvPicPr>
-        <p:blipFill>
-          <a:blip r:embed="rId3">
-            <a:extLst>
-              <a:ext uri="{28A0092B-C50C-407E-A947-70E740481C1C}">
-                <a14:useLocalDpi xmlns:a14="http://schemas.microsoft.com/office/drawing/2010/main" val="0"/>
-              </a:ext>
-            </a:extLst>
-          </a:blip>
-          <a:stretch>
-            <a:fillRect/>
-          </a:stretch>
-        </p:blipFill>
-        <p:spPr>
-          <a:xfrm>
-            <a:off x="982045" y="1568619"/>
-            <a:ext cx="4436381" cy="4628905"/>
-          </a:xfrm>
-          <a:prstGeom prst="rect">
-            <a:avLst/>
-          </a:prstGeom>
-        </p:spPr>
-      </p:pic>
       <p:sp>
         <p:nvSpPr>
           <p:cNvPr id="26" name="TextBox 25">
@@ -4837,6 +4837,42 @@
           </a:fontRef>
         </p:style>
       </p:cxnSp>
+      <p:pic>
+        <p:nvPicPr>
+          <p:cNvPr id="13" name="그림 12" descr="스크린샷이(가) 표시된 사진&#10;&#10;자동 생성된 설명">
+            <a:extLst>
+              <a:ext uri="{FF2B5EF4-FFF2-40B4-BE49-F238E27FC236}">
+                <a16:creationId xmlns:a16="http://schemas.microsoft.com/office/drawing/2014/main" id="{E885B855-1393-417A-A3C5-5B208F1959B5}"/>
+              </a:ext>
+            </a:extLst>
+          </p:cNvPr>
+          <p:cNvPicPr>
+            <a:picLocks noChangeAspect="1"/>
+          </p:cNvPicPr>
+          <p:nvPr/>
+        </p:nvPicPr>
+        <p:blipFill>
+          <a:blip r:embed="rId3">
+            <a:extLst>
+              <a:ext uri="{28A0092B-C50C-407E-A947-70E740481C1C}">
+                <a14:useLocalDpi xmlns:a14="http://schemas.microsoft.com/office/drawing/2010/main" val="0"/>
+              </a:ext>
+            </a:extLst>
+          </a:blip>
+          <a:stretch>
+            <a:fillRect/>
+          </a:stretch>
+        </p:blipFill>
+        <p:spPr>
+          <a:xfrm>
+            <a:off x="985901" y="1585463"/>
+            <a:ext cx="4432525" cy="4612061"/>
+          </a:xfrm>
+          <a:prstGeom prst="rect">
+            <a:avLst/>
+          </a:prstGeom>
+        </p:spPr>
+      </p:pic>
     </p:spTree>
     <p:extLst>
       <p:ext uri="{BB962C8B-B14F-4D97-AF65-F5344CB8AC3E}">
